--- a/Presentations/2 - Reading Code - ReSharper Course.pptx
+++ b/Presentations/2 - Reading Code - ReSharper Course.pptx
@@ -5,18 +5,19 @@
     <p:sldMasterId id="2147483648" r:id="rId1"/>
   </p:sldMasterIdLst>
   <p:notesMasterIdLst>
-    <p:notesMasterId r:id="rId11"/>
+    <p:notesMasterId r:id="rId12"/>
   </p:notesMasterIdLst>
   <p:sldIdLst>
     <p:sldId id="259" r:id="rId2"/>
-    <p:sldId id="273" r:id="rId3"/>
-    <p:sldId id="274" r:id="rId4"/>
-    <p:sldId id="272" r:id="rId5"/>
-    <p:sldId id="277" r:id="rId6"/>
-    <p:sldId id="276" r:id="rId7"/>
-    <p:sldId id="275" r:id="rId8"/>
-    <p:sldId id="278" r:id="rId9"/>
-    <p:sldId id="279" r:id="rId10"/>
+    <p:sldId id="280" r:id="rId3"/>
+    <p:sldId id="272" r:id="rId4"/>
+    <p:sldId id="277" r:id="rId5"/>
+    <p:sldId id="273" r:id="rId6"/>
+    <p:sldId id="281" r:id="rId7"/>
+    <p:sldId id="276" r:id="rId8"/>
+    <p:sldId id="275" r:id="rId9"/>
+    <p:sldId id="278" r:id="rId10"/>
+    <p:sldId id="279" r:id="rId11"/>
   </p:sldIdLst>
   <p:sldSz cx="9144000" cy="6858000" type="screen4x3"/>
   <p:notesSz cx="6858000" cy="9144000"/>
@@ -201,7 +202,7 @@
             <a:fld id="{25D31F56-D80D-4507-AC0F-AB5E545C4181}" type="datetimeFigureOut">
               <a:rPr lang="da-DK" smtClean="0"/>
               <a:pPr/>
-              <a:t>20-05-2012</a:t>
+              <a:t>21-05-2012</a:t>
             </a:fld>
             <a:endParaRPr lang="da-DK"/>
           </a:p>
@@ -370,7 +371,7 @@
     </p:spTree>
     <p:extLst>
       <p:ext uri="{BB962C8B-B14F-4D97-AF65-F5344CB8AC3E}">
-        <p14:creationId xmlns="" xmlns:p14="http://schemas.microsoft.com/office/powerpoint/2010/main" val="1746408167"/>
+        <p14:creationId xmlns:p14="http://schemas.microsoft.com/office/powerpoint/2010/main" val="1746408167"/>
       </p:ext>
     </p:extLst>
   </p:cSld>
@@ -652,7 +653,7 @@
             <a:fld id="{1D8BD707-D9CF-40AE-B4C6-C98DA3205C09}" type="datetimeFigureOut">
               <a:rPr lang="en-US" smtClean="0"/>
               <a:pPr/>
-              <a:t>5/20/2012</a:t>
+              <a:t>5/21/2012</a:t>
             </a:fld>
             <a:endParaRPr lang="en-US"/>
           </a:p>
@@ -819,7 +820,7 @@
             <a:fld id="{1D8BD707-D9CF-40AE-B4C6-C98DA3205C09}" type="datetimeFigureOut">
               <a:rPr lang="en-US" smtClean="0"/>
               <a:pPr/>
-              <a:t>5/20/2012</a:t>
+              <a:t>5/21/2012</a:t>
             </a:fld>
             <a:endParaRPr lang="en-US"/>
           </a:p>
@@ -996,7 +997,7 @@
             <a:fld id="{1D8BD707-D9CF-40AE-B4C6-C98DA3205C09}" type="datetimeFigureOut">
               <a:rPr lang="en-US" smtClean="0"/>
               <a:pPr/>
-              <a:t>5/20/2012</a:t>
+              <a:t>5/21/2012</a:t>
             </a:fld>
             <a:endParaRPr lang="en-US"/>
           </a:p>
@@ -1163,7 +1164,7 @@
             <a:fld id="{1D8BD707-D9CF-40AE-B4C6-C98DA3205C09}" type="datetimeFigureOut">
               <a:rPr lang="en-US" smtClean="0"/>
               <a:pPr/>
-              <a:t>5/20/2012</a:t>
+              <a:t>5/21/2012</a:t>
             </a:fld>
             <a:endParaRPr lang="en-US"/>
           </a:p>
@@ -1406,7 +1407,7 @@
             <a:fld id="{1D8BD707-D9CF-40AE-B4C6-C98DA3205C09}" type="datetimeFigureOut">
               <a:rPr lang="en-US" smtClean="0"/>
               <a:pPr/>
-              <a:t>5/20/2012</a:t>
+              <a:t>5/21/2012</a:t>
             </a:fld>
             <a:endParaRPr lang="en-US"/>
           </a:p>
@@ -1691,7 +1692,7 @@
             <a:fld id="{1D8BD707-D9CF-40AE-B4C6-C98DA3205C09}" type="datetimeFigureOut">
               <a:rPr lang="en-US" smtClean="0"/>
               <a:pPr/>
-              <a:t>5/20/2012</a:t>
+              <a:t>5/21/2012</a:t>
             </a:fld>
             <a:endParaRPr lang="en-US"/>
           </a:p>
@@ -2110,7 +2111,7 @@
             <a:fld id="{1D8BD707-D9CF-40AE-B4C6-C98DA3205C09}" type="datetimeFigureOut">
               <a:rPr lang="en-US" smtClean="0"/>
               <a:pPr/>
-              <a:t>5/20/2012</a:t>
+              <a:t>5/21/2012</a:t>
             </a:fld>
             <a:endParaRPr lang="en-US"/>
           </a:p>
@@ -2225,7 +2226,7 @@
             <a:fld id="{1D8BD707-D9CF-40AE-B4C6-C98DA3205C09}" type="datetimeFigureOut">
               <a:rPr lang="en-US" smtClean="0"/>
               <a:pPr/>
-              <a:t>5/20/2012</a:t>
+              <a:t>5/21/2012</a:t>
             </a:fld>
             <a:endParaRPr lang="en-US"/>
           </a:p>
@@ -2317,7 +2318,7 @@
             <a:fld id="{1D8BD707-D9CF-40AE-B4C6-C98DA3205C09}" type="datetimeFigureOut">
               <a:rPr lang="en-US" smtClean="0"/>
               <a:pPr/>
-              <a:t>5/20/2012</a:t>
+              <a:t>5/21/2012</a:t>
             </a:fld>
             <a:endParaRPr lang="en-US"/>
           </a:p>
@@ -2591,7 +2592,7 @@
             <a:fld id="{1D8BD707-D9CF-40AE-B4C6-C98DA3205C09}" type="datetimeFigureOut">
               <a:rPr lang="en-US" smtClean="0"/>
               <a:pPr/>
-              <a:t>5/20/2012</a:t>
+              <a:t>5/21/2012</a:t>
             </a:fld>
             <a:endParaRPr lang="en-US"/>
           </a:p>
@@ -2841,7 +2842,7 @@
             <a:fld id="{1D8BD707-D9CF-40AE-B4C6-C98DA3205C09}" type="datetimeFigureOut">
               <a:rPr lang="en-US" smtClean="0"/>
               <a:pPr/>
-              <a:t>5/20/2012</a:t>
+              <a:t>5/21/2012</a:t>
             </a:fld>
             <a:endParaRPr lang="en-US"/>
           </a:p>
@@ -3051,7 +3052,7 @@
             <a:fld id="{1D8BD707-D9CF-40AE-B4C6-C98DA3205C09}" type="datetimeFigureOut">
               <a:rPr lang="en-US" smtClean="0"/>
               <a:pPr/>
-              <a:t>5/20/2012</a:t>
+              <a:t>5/21/2012</a:t>
             </a:fld>
             <a:endParaRPr lang="en-US"/>
           </a:p>
@@ -3526,7 +3527,7 @@
     </p:spTree>
     <p:extLst>
       <p:ext uri="{BB962C8B-B14F-4D97-AF65-F5344CB8AC3E}">
-        <p14:creationId xmlns="" xmlns:p14="http://schemas.microsoft.com/office/powerpoint/2010/main" val="96289950"/>
+        <p14:creationId xmlns:p14="http://schemas.microsoft.com/office/powerpoint/2010/main" val="96289950"/>
       </p:ext>
     </p:extLst>
   </p:cSld>
@@ -3540,6 +3541,99 @@
       </p:par>
     </p:tnLst>
   </p:timing>
+</p:sld>
+</file>
+
+<file path=ppt/slides/slide10.xml><?xml version="1.0" encoding="utf-8"?>
+<p:sld xmlns:a="http://schemas.openxmlformats.org/drawingml/2006/main" xmlns:r="http://schemas.openxmlformats.org/officeDocument/2006/relationships" xmlns:p="http://schemas.openxmlformats.org/presentationml/2006/main">
+  <p:cSld>
+    <p:spTree>
+      <p:nvGrpSpPr>
+        <p:cNvPr id="1" name=""/>
+        <p:cNvGrpSpPr/>
+        <p:nvPr/>
+      </p:nvGrpSpPr>
+      <p:grpSpPr>
+        <a:xfrm>
+          <a:off x="0" y="0"/>
+          <a:ext cx="0" cy="0"/>
+          <a:chOff x="0" y="0"/>
+          <a:chExt cx="0" cy="0"/>
+        </a:xfrm>
+      </p:grpSpPr>
+      <p:sp>
+        <p:nvSpPr>
+          <p:cNvPr id="2" name="Title 1"/>
+          <p:cNvSpPr>
+            <a:spLocks noGrp="1"/>
+          </p:cNvSpPr>
+          <p:nvPr>
+            <p:ph type="title"/>
+          </p:nvPr>
+        </p:nvSpPr>
+        <p:spPr/>
+        <p:txBody>
+          <a:bodyPr>
+            <a:normAutofit/>
+          </a:bodyPr>
+          <a:lstStyle/>
+          <a:p>
+            <a:r>
+              <a:rPr lang="da-DK" dirty="0" smtClean="0"/>
+              <a:t>Inspect This!</a:t>
+            </a:r>
+            <a:endParaRPr lang="da-DK" dirty="0"/>
+          </a:p>
+        </p:txBody>
+      </p:sp>
+      <p:sp>
+        <p:nvSpPr>
+          <p:cNvPr id="3" name="Content Placeholder 2"/>
+          <p:cNvSpPr>
+            <a:spLocks noGrp="1"/>
+          </p:cNvSpPr>
+          <p:nvPr>
+            <p:ph idx="1"/>
+          </p:nvPr>
+        </p:nvSpPr>
+        <p:spPr/>
+        <p:txBody>
+          <a:bodyPr/>
+          <a:lstStyle/>
+          <a:p>
+            <a:r>
+              <a:rPr lang="da-DK" dirty="0" smtClean="0"/>
+              <a:t>Powerful analysis</a:t>
+            </a:r>
+          </a:p>
+          <a:p>
+            <a:pPr lvl="1"/>
+            <a:r>
+              <a:rPr lang="da-DK" dirty="0" smtClean="0"/>
+              <a:t>Values</a:t>
+            </a:r>
+          </a:p>
+          <a:p>
+            <a:pPr lvl="1"/>
+            <a:r>
+              <a:rPr lang="da-DK" dirty="0" smtClean="0"/>
+              <a:t>Methods</a:t>
+            </a:r>
+          </a:p>
+          <a:p>
+            <a:endParaRPr lang="da-DK" dirty="0" smtClean="0"/>
+          </a:p>
+          <a:p>
+            <a:pPr lvl="1"/>
+            <a:endParaRPr lang="da-DK" dirty="0"/>
+          </a:p>
+        </p:txBody>
+      </p:sp>
+    </p:spTree>
+  </p:cSld>
+  <p:clrMapOvr>
+    <a:masterClrMapping/>
+  </p:clrMapOvr>
 </p:sld>
 </file>
 
@@ -3572,14 +3666,12 @@
         </p:nvSpPr>
         <p:spPr/>
         <p:txBody>
-          <a:bodyPr>
-            <a:normAutofit/>
-          </a:bodyPr>
+          <a:bodyPr/>
           <a:lstStyle/>
           <a:p>
             <a:r>
               <a:rPr lang="da-DK" dirty="0" smtClean="0"/>
-              <a:t>Sections</a:t>
+              <a:t>Camel Humps</a:t>
             </a:r>
             <a:endParaRPr lang="da-DK" dirty="0"/>
           </a:p>
@@ -3600,46 +3692,16 @@
           <a:bodyPr/>
           <a:lstStyle/>
           <a:p>
-            <a:r>
-              <a:rPr lang="da-DK" dirty="0" smtClean="0"/>
-              <a:t>Solution Level</a:t>
-            </a:r>
-          </a:p>
-          <a:p>
-            <a:pPr lvl="1"/>
-            <a:r>
-              <a:rPr lang="da-DK" dirty="0" smtClean="0"/>
-              <a:t>Broad search tools</a:t>
-            </a:r>
-          </a:p>
-          <a:p>
-            <a:pPr lvl="1"/>
-            <a:endParaRPr lang="da-DK" dirty="0" smtClean="0"/>
-          </a:p>
-          <a:p>
-            <a:r>
-              <a:rPr lang="da-DK" dirty="0" smtClean="0"/>
-              <a:t>Code Files Level</a:t>
-            </a:r>
-          </a:p>
-          <a:p>
-            <a:pPr lvl="1"/>
-            <a:r>
-              <a:rPr lang="da-DK" dirty="0" smtClean="0"/>
-              <a:t>Precise and narrow search tools</a:t>
-            </a:r>
-          </a:p>
-          <a:p>
-            <a:pPr lvl="1"/>
-            <a:r>
-              <a:rPr lang="da-DK" dirty="0" smtClean="0"/>
-              <a:t>Excavation</a:t>
-            </a:r>
             <a:endParaRPr lang="da-DK" dirty="0"/>
           </a:p>
         </p:txBody>
       </p:sp>
     </p:spTree>
+    <p:extLst>
+      <p:ext uri="{BB962C8B-B14F-4D97-AF65-F5344CB8AC3E}">
+        <p14:creationId xmlns:p14="http://schemas.microsoft.com/office/powerpoint/2010/main" val="1712164881"/>
+      </p:ext>
+    </p:extLst>
   </p:cSld>
   <p:clrMapOvr>
     <a:masterClrMapping/>
@@ -3676,14 +3738,12 @@
         </p:nvSpPr>
         <p:spPr/>
         <p:txBody>
-          <a:bodyPr>
-            <a:normAutofit/>
-          </a:bodyPr>
+          <a:bodyPr/>
           <a:lstStyle/>
           <a:p>
             <a:r>
               <a:rPr lang="da-DK" dirty="0" smtClean="0"/>
-              <a:t>ReSharper Features</a:t>
+              <a:t>Navigational Axis</a:t>
             </a:r>
             <a:endParaRPr lang="da-DK" dirty="0"/>
           </a:p>
@@ -3701,135 +3761,32 @@
         </p:nvSpPr>
         <p:spPr/>
         <p:txBody>
-          <a:bodyPr>
-            <a:normAutofit fontScale="62500" lnSpcReduction="20000"/>
-          </a:bodyPr>
+          <a:bodyPr/>
           <a:lstStyle/>
           <a:p>
             <a:r>
               <a:rPr lang="da-DK" dirty="0" smtClean="0"/>
-              <a:t>Camel Humps</a:t>
-            </a:r>
+              <a:t>We remember strange things</a:t>
+            </a:r>
+          </a:p>
+          <a:p>
+            <a:endParaRPr lang="da-DK" dirty="0"/>
           </a:p>
           <a:p>
             <a:r>
               <a:rPr lang="da-DK" dirty="0" smtClean="0"/>
-              <a:t>Caret Placement</a:t>
-            </a:r>
-          </a:p>
-          <a:p>
-            <a:r>
-              <a:rPr lang="da-DK" dirty="0" smtClean="0"/>
-              <a:t>Solution Level</a:t>
-            </a:r>
-          </a:p>
-          <a:p>
-            <a:pPr lvl="1"/>
-            <a:r>
-              <a:rPr lang="da-DK" b="1" dirty="0" smtClean="0"/>
-              <a:t>Navigate to Type, File, Symbol</a:t>
-            </a:r>
-          </a:p>
-          <a:p>
-            <a:pPr lvl="1"/>
-            <a:r>
-              <a:rPr lang="da-DK" b="1" dirty="0" smtClean="0"/>
-              <a:t>Find Usages / Go to next usage</a:t>
-            </a:r>
-          </a:p>
-          <a:p>
-            <a:pPr lvl="1"/>
-            <a:r>
-              <a:rPr lang="da-DK" dirty="0" smtClean="0"/>
-              <a:t>Stack Trace Explorer</a:t>
-            </a:r>
-          </a:p>
-          <a:p>
-            <a:pPr lvl="1"/>
-            <a:endParaRPr lang="da-DK" dirty="0" smtClean="0"/>
-          </a:p>
-          <a:p>
-            <a:r>
-              <a:rPr lang="da-DK" dirty="0" smtClean="0"/>
-              <a:t>Code File Level</a:t>
-            </a:r>
-          </a:p>
-          <a:p>
-            <a:pPr lvl="1"/>
-            <a:r>
-              <a:rPr lang="da-DK" b="1" dirty="0" smtClean="0"/>
-              <a:t>Navigate to members</a:t>
-            </a:r>
-          </a:p>
-          <a:p>
-            <a:pPr lvl="1"/>
-            <a:r>
-              <a:rPr lang="da-DK" b="1" dirty="0" smtClean="0"/>
-              <a:t>Navigate inheritance</a:t>
-            </a:r>
-          </a:p>
-          <a:p>
-            <a:pPr lvl="1"/>
-            <a:r>
-              <a:rPr lang="da-DK" b="1" dirty="0" smtClean="0"/>
-              <a:t>Type Hierarchy</a:t>
-            </a:r>
-          </a:p>
-          <a:p>
-            <a:pPr lvl="1"/>
-            <a:r>
-              <a:rPr lang="da-DK" b="1" dirty="0" smtClean="0"/>
-              <a:t>Flow inspections – values</a:t>
-            </a:r>
-          </a:p>
-          <a:p>
-            <a:pPr lvl="1"/>
-            <a:r>
-              <a:rPr lang="da-DK" dirty="0" smtClean="0"/>
-              <a:t>Flow inspections - methods</a:t>
-            </a:r>
-          </a:p>
-          <a:p>
-            <a:pPr lvl="1"/>
-            <a:r>
-              <a:rPr lang="da-DK" b="1" dirty="0" smtClean="0"/>
-              <a:t>Highlight usages</a:t>
-            </a:r>
-          </a:p>
-          <a:p>
-            <a:pPr lvl="1"/>
-            <a:r>
-              <a:rPr lang="da-DK" dirty="0" smtClean="0"/>
-              <a:t>Next suggestion / error (Moved to Writing Code)</a:t>
-            </a:r>
-          </a:p>
-          <a:p>
-            <a:pPr lvl="1"/>
-            <a:endParaRPr lang="da-DK" i="1" dirty="0" smtClean="0"/>
-          </a:p>
-          <a:p>
-            <a:pPr lvl="1"/>
-            <a:endParaRPr lang="da-DK" dirty="0" smtClean="0"/>
-          </a:p>
-          <a:p>
-            <a:pPr lvl="1"/>
-            <a:endParaRPr lang="da-DK" dirty="0" smtClean="0"/>
-          </a:p>
-          <a:p>
-            <a:pPr lvl="2">
-              <a:buNone/>
-            </a:pPr>
-            <a:endParaRPr lang="da-DK" dirty="0" smtClean="0"/>
-          </a:p>
-          <a:p>
-            <a:endParaRPr lang="da-DK" dirty="0" smtClean="0"/>
-          </a:p>
-          <a:p>
+              <a:t>Nagivational axis</a:t>
+            </a:r>
             <a:endParaRPr lang="da-DK" dirty="0"/>
           </a:p>
         </p:txBody>
       </p:sp>
     </p:spTree>
+    <p:extLst>
+      <p:ext uri="{BB962C8B-B14F-4D97-AF65-F5344CB8AC3E}">
+        <p14:creationId xmlns:p14="http://schemas.microsoft.com/office/powerpoint/2010/main" val="1917661024"/>
+      </p:ext>
+    </p:extLst>
   </p:cSld>
   <p:clrMapOvr>
     <a:masterClrMapping/>
@@ -3871,7 +3828,7 @@
           <a:p>
             <a:r>
               <a:rPr lang="da-DK" dirty="0" smtClean="0"/>
-              <a:t>Navigational Axis</a:t>
+              <a:t>Go To ...</a:t>
             </a:r>
             <a:endParaRPr lang="da-DK" dirty="0"/>
           </a:p>
@@ -3892,29 +3849,11 @@
           <a:bodyPr/>
           <a:lstStyle/>
           <a:p>
-            <a:r>
-              <a:rPr lang="da-DK" dirty="0" smtClean="0"/>
-              <a:t>We remember strange things</a:t>
-            </a:r>
-          </a:p>
-          <a:p>
-            <a:endParaRPr lang="da-DK" dirty="0"/>
-          </a:p>
-          <a:p>
-            <a:r>
-              <a:rPr lang="da-DK" dirty="0" smtClean="0"/>
-              <a:t>Nagivational axis</a:t>
-            </a:r>
-            <a:endParaRPr lang="da-DK" dirty="0"/>
+            <a:endParaRPr lang="da-DK"/>
           </a:p>
         </p:txBody>
       </p:sp>
     </p:spTree>
-    <p:extLst>
-      <p:ext uri="{BB962C8B-B14F-4D97-AF65-F5344CB8AC3E}">
-        <p14:creationId xmlns="" xmlns:p14="http://schemas.microsoft.com/office/powerpoint/2010/main" val="1917661024"/>
-      </p:ext>
-    </p:extLst>
   </p:cSld>
   <p:clrMapOvr>
     <a:masterClrMapping/>
@@ -3951,12 +3890,14 @@
         </p:nvSpPr>
         <p:spPr/>
         <p:txBody>
-          <a:bodyPr/>
+          <a:bodyPr>
+            <a:normAutofit/>
+          </a:bodyPr>
           <a:lstStyle/>
           <a:p>
             <a:r>
               <a:rPr lang="da-DK" dirty="0" smtClean="0"/>
-              <a:t>Go To ...</a:t>
+              <a:t>Sections</a:t>
             </a:r>
             <a:endParaRPr lang="da-DK" dirty="0"/>
           </a:p>
@@ -3977,7 +3918,42 @@
           <a:bodyPr/>
           <a:lstStyle/>
           <a:p>
-            <a:endParaRPr lang="da-DK"/>
+            <a:r>
+              <a:rPr lang="da-DK" dirty="0" smtClean="0"/>
+              <a:t>Solution Level</a:t>
+            </a:r>
+          </a:p>
+          <a:p>
+            <a:pPr lvl="1"/>
+            <a:r>
+              <a:rPr lang="da-DK" dirty="0" smtClean="0"/>
+              <a:t>Broad search tools</a:t>
+            </a:r>
+          </a:p>
+          <a:p>
+            <a:pPr lvl="1"/>
+            <a:endParaRPr lang="da-DK" dirty="0" smtClean="0"/>
+          </a:p>
+          <a:p>
+            <a:r>
+              <a:rPr lang="da-DK" dirty="0" smtClean="0"/>
+              <a:t>Code Files Level</a:t>
+            </a:r>
+          </a:p>
+          <a:p>
+            <a:pPr lvl="1"/>
+            <a:r>
+              <a:rPr lang="da-DK" dirty="0" smtClean="0"/>
+              <a:t>Precise and narrow search tools</a:t>
+            </a:r>
+          </a:p>
+          <a:p>
+            <a:pPr lvl="1"/>
+            <a:r>
+              <a:rPr lang="da-DK" dirty="0" smtClean="0"/>
+              <a:t>Excavation</a:t>
+            </a:r>
+            <a:endParaRPr lang="da-DK" dirty="0"/>
           </a:p>
         </p:txBody>
       </p:sp>
@@ -4018,14 +3994,12 @@
         </p:nvSpPr>
         <p:spPr/>
         <p:txBody>
-          <a:bodyPr>
-            <a:normAutofit/>
-          </a:bodyPr>
+          <a:bodyPr/>
           <a:lstStyle/>
           <a:p>
             <a:r>
               <a:rPr lang="da-DK" dirty="0" smtClean="0"/>
-              <a:t>Code Inspections</a:t>
+              <a:t>Caret Placement</a:t>
             </a:r>
             <a:endParaRPr lang="da-DK" dirty="0"/>
           </a:p>
@@ -4043,56 +4017,19 @@
         </p:nvSpPr>
         <p:spPr/>
         <p:txBody>
-          <a:bodyPr>
-            <a:normAutofit lnSpcReduction="10000"/>
-          </a:bodyPr>
-          <a:lstStyle/>
-          <a:p>
-            <a:r>
-              <a:rPr lang="da-DK" dirty="0" smtClean="0"/>
-              <a:t>Contextual Help</a:t>
-            </a:r>
-          </a:p>
-          <a:p>
-            <a:endParaRPr lang="da-DK" dirty="0" smtClean="0"/>
-          </a:p>
-          <a:p>
-            <a:r>
-              <a:rPr lang="da-DK" dirty="0" smtClean="0"/>
-              <a:t>Hints</a:t>
-            </a:r>
-          </a:p>
-          <a:p>
-            <a:r>
-              <a:rPr lang="da-DK" dirty="0" smtClean="0"/>
-              <a:t>Suggestions</a:t>
-            </a:r>
-          </a:p>
-          <a:p>
-            <a:r>
-              <a:rPr lang="da-DK" dirty="0" smtClean="0"/>
-              <a:t>Dead code</a:t>
-            </a:r>
-          </a:p>
-          <a:p>
-            <a:r>
-              <a:rPr lang="da-DK" dirty="0" smtClean="0"/>
-              <a:t>Errors</a:t>
-            </a:r>
-          </a:p>
-          <a:p>
-            <a:endParaRPr lang="da-DK" dirty="0" smtClean="0"/>
-          </a:p>
-          <a:p>
-            <a:r>
-              <a:rPr lang="da-DK" dirty="0" smtClean="0"/>
-              <a:t>Side bar</a:t>
-            </a:r>
-            <a:endParaRPr lang="da-DK" dirty="0"/>
+          <a:bodyPr/>
+          <a:lstStyle/>
+          <a:p>
+            <a:endParaRPr lang="da-DK"/>
           </a:p>
         </p:txBody>
       </p:sp>
     </p:spTree>
+    <p:extLst>
+      <p:ext uri="{BB962C8B-B14F-4D97-AF65-F5344CB8AC3E}">
+        <p14:creationId xmlns:p14="http://schemas.microsoft.com/office/powerpoint/2010/main" val="1649822022"/>
+      </p:ext>
+    </p:extLst>
   </p:cSld>
   <p:clrMapOvr>
     <a:masterClrMapping/>
@@ -4136,7 +4073,7 @@
           <a:p>
             <a:r>
               <a:rPr lang="da-DK" dirty="0" smtClean="0"/>
-              <a:t>Usage Inspection</a:t>
+              <a:t>Code Inspections</a:t>
             </a:r>
             <a:endParaRPr lang="da-DK" dirty="0"/>
           </a:p>
@@ -4154,56 +4091,51 @@
         </p:nvSpPr>
         <p:spPr/>
         <p:txBody>
-          <a:bodyPr/>
+          <a:bodyPr>
+            <a:normAutofit lnSpcReduction="10000"/>
+          </a:bodyPr>
           <a:lstStyle/>
           <a:p>
             <a:r>
               <a:rPr lang="da-DK" dirty="0" smtClean="0"/>
-              <a:t>Highlight symbols</a:t>
-            </a:r>
-          </a:p>
-          <a:p>
-            <a:pPr lvl="1"/>
+              <a:t>Contextual Help</a:t>
+            </a:r>
+          </a:p>
+          <a:p>
+            <a:endParaRPr lang="da-DK" dirty="0" smtClean="0"/>
+          </a:p>
+          <a:p>
             <a:r>
               <a:rPr lang="da-DK" dirty="0" smtClean="0"/>
-              <a:t>Single method or small class</a:t>
-            </a:r>
-          </a:p>
-          <a:p>
-            <a:pPr lvl="1"/>
+              <a:t>Hints</a:t>
+            </a:r>
+          </a:p>
+          <a:p>
+            <a:r>
+              <a:rPr lang="da-DK" dirty="0" smtClean="0"/>
+              <a:t>Suggestions</a:t>
+            </a:r>
+          </a:p>
+          <a:p>
+            <a:r>
+              <a:rPr lang="da-DK" dirty="0" smtClean="0"/>
+              <a:t>Dead code</a:t>
+            </a:r>
+          </a:p>
+          <a:p>
+            <a:r>
+              <a:rPr lang="da-DK" dirty="0" smtClean="0"/>
+              <a:t>Errors</a:t>
+            </a:r>
+          </a:p>
+          <a:p>
             <a:endParaRPr lang="da-DK" dirty="0" smtClean="0"/>
           </a:p>
           <a:p>
             <a:r>
               <a:rPr lang="da-DK" dirty="0" smtClean="0"/>
-              <a:t>Find usages</a:t>
-            </a:r>
-          </a:p>
-          <a:p>
-            <a:pPr lvl="1"/>
-            <a:r>
-              <a:rPr lang="da-DK" dirty="0" smtClean="0"/>
-              <a:t>Single public method or property</a:t>
-            </a:r>
-          </a:p>
-          <a:p>
-            <a:pPr lvl="1"/>
-            <a:endParaRPr lang="da-DK" dirty="0" smtClean="0"/>
-          </a:p>
-          <a:p>
-            <a:r>
-              <a:rPr lang="da-DK" dirty="0" smtClean="0"/>
-              <a:t>Method tracking</a:t>
-            </a:r>
-          </a:p>
-          <a:p>
-            <a:pPr lvl="1"/>
-            <a:r>
-              <a:rPr lang="da-DK" dirty="0" smtClean="0"/>
-              <a:t>Entire flows</a:t>
-            </a:r>
-          </a:p>
-          <a:p>
+              <a:t>Side bar</a:t>
+            </a:r>
             <a:endParaRPr lang="da-DK" dirty="0"/>
           </a:p>
         </p:txBody>
@@ -4245,12 +4177,14 @@
         </p:nvSpPr>
         <p:spPr/>
         <p:txBody>
-          <a:bodyPr/>
+          <a:bodyPr>
+            <a:normAutofit/>
+          </a:bodyPr>
           <a:lstStyle/>
           <a:p>
             <a:r>
               <a:rPr lang="da-DK" dirty="0" smtClean="0"/>
-              <a:t>Navigating Hierarchies</a:t>
+              <a:t>Usage Inspection</a:t>
             </a:r>
             <a:endParaRPr lang="da-DK" dirty="0"/>
           </a:p>
@@ -4273,41 +4207,52 @@
           <a:p>
             <a:r>
               <a:rPr lang="da-DK" dirty="0" smtClean="0"/>
-              <a:t>Type Hierarchy</a:t>
-            </a:r>
-          </a:p>
-          <a:p>
+              <a:t>Highlight symbols</a:t>
+            </a:r>
+          </a:p>
+          <a:p>
+            <a:pPr lvl="1"/>
+            <a:r>
+              <a:rPr lang="da-DK" dirty="0" smtClean="0"/>
+              <a:t>Single method or small class</a:t>
+            </a:r>
+          </a:p>
+          <a:p>
+            <a:pPr lvl="1"/>
             <a:endParaRPr lang="da-DK" dirty="0" smtClean="0"/>
           </a:p>
           <a:p>
+            <a:r>
+              <a:rPr lang="da-DK" dirty="0" smtClean="0"/>
+              <a:t>Find usages</a:t>
+            </a:r>
+          </a:p>
+          <a:p>
+            <a:pPr lvl="1"/>
+            <a:r>
+              <a:rPr lang="da-DK" dirty="0" smtClean="0"/>
+              <a:t>Single public method or property</a:t>
+            </a:r>
+          </a:p>
+          <a:p>
+            <a:pPr lvl="1"/>
             <a:endParaRPr lang="da-DK" dirty="0" smtClean="0"/>
           </a:p>
           <a:p>
             <a:r>
               <a:rPr lang="da-DK" dirty="0" smtClean="0"/>
-              <a:t>Go to</a:t>
+              <a:t>Method tracking</a:t>
             </a:r>
           </a:p>
           <a:p>
             <a:pPr lvl="1"/>
             <a:r>
               <a:rPr lang="da-DK" dirty="0" smtClean="0"/>
-              <a:t>Declaration</a:t>
-            </a:r>
-          </a:p>
-          <a:p>
-            <a:pPr lvl="1"/>
-            <a:r>
-              <a:rPr lang="da-DK" dirty="0" smtClean="0"/>
-              <a:t>Base</a:t>
-            </a:r>
-          </a:p>
-          <a:p>
-            <a:pPr lvl="1"/>
-            <a:r>
-              <a:rPr lang="da-DK" dirty="0" smtClean="0"/>
-              <a:t>Derived</a:t>
-            </a:r>
+              <a:t>Entire flows</a:t>
+            </a:r>
+          </a:p>
+          <a:p>
+            <a:endParaRPr lang="da-DK" dirty="0"/>
           </a:p>
         </p:txBody>
       </p:sp>
@@ -4348,14 +4293,12 @@
         </p:nvSpPr>
         <p:spPr/>
         <p:txBody>
-          <a:bodyPr>
-            <a:normAutofit/>
-          </a:bodyPr>
+          <a:bodyPr/>
           <a:lstStyle/>
           <a:p>
             <a:r>
               <a:rPr lang="da-DK" dirty="0" smtClean="0"/>
-              <a:t>Inspect This!</a:t>
+              <a:t>Navigating Hierarchies</a:t>
             </a:r>
             <a:endParaRPr lang="da-DK" dirty="0"/>
           </a:p>
@@ -4378,29 +4321,41 @@
           <a:p>
             <a:r>
               <a:rPr lang="da-DK" dirty="0" smtClean="0"/>
-              <a:t>Powerful analysis</a:t>
+              <a:t>Type Hierarchy</a:t>
+            </a:r>
+          </a:p>
+          <a:p>
+            <a:endParaRPr lang="da-DK" dirty="0" smtClean="0"/>
+          </a:p>
+          <a:p>
+            <a:endParaRPr lang="da-DK" dirty="0" smtClean="0"/>
+          </a:p>
+          <a:p>
+            <a:r>
+              <a:rPr lang="da-DK" dirty="0" smtClean="0"/>
+              <a:t>Go to</a:t>
             </a:r>
           </a:p>
           <a:p>
             <a:pPr lvl="1"/>
             <a:r>
               <a:rPr lang="da-DK" dirty="0" smtClean="0"/>
-              <a:t>Values</a:t>
+              <a:t>Declaration</a:t>
             </a:r>
           </a:p>
           <a:p>
             <a:pPr lvl="1"/>
             <a:r>
               <a:rPr lang="da-DK" dirty="0" smtClean="0"/>
-              <a:t>Methods</a:t>
-            </a:r>
-          </a:p>
-          <a:p>
-            <a:endParaRPr lang="da-DK" dirty="0" smtClean="0"/>
+              <a:t>Base</a:t>
+            </a:r>
           </a:p>
           <a:p>
             <a:pPr lvl="1"/>
-            <a:endParaRPr lang="da-DK" dirty="0"/>
+            <a:r>
+              <a:rPr lang="da-DK" dirty="0" smtClean="0"/>
+              <a:t>Derived</a:t>
+            </a:r>
           </a:p>
         </p:txBody>
       </p:sp>
